--- a/Diagrams/presentation.pptx
+++ b/Diagrams/presentation.pptx
@@ -5,20 +5,23 @@
     <p:sldMasterId id="2147483648" r:id="rId1"/>
   </p:sldMasterIdLst>
   <p:notesMasterIdLst>
-    <p:notesMasterId r:id="rId13"/>
+    <p:notesMasterId r:id="rId16"/>
   </p:notesMasterIdLst>
   <p:sldIdLst>
     <p:sldId id="256" r:id="rId2"/>
     <p:sldId id="261" r:id="rId3"/>
-    <p:sldId id="266" r:id="rId4"/>
-    <p:sldId id="258" r:id="rId5"/>
-    <p:sldId id="257" r:id="rId6"/>
-    <p:sldId id="264" r:id="rId7"/>
-    <p:sldId id="259" r:id="rId8"/>
-    <p:sldId id="265" r:id="rId9"/>
-    <p:sldId id="262" r:id="rId10"/>
-    <p:sldId id="263" r:id="rId11"/>
-    <p:sldId id="260" r:id="rId12"/>
+    <p:sldId id="267" r:id="rId4"/>
+    <p:sldId id="266" r:id="rId5"/>
+    <p:sldId id="258" r:id="rId6"/>
+    <p:sldId id="257" r:id="rId7"/>
+    <p:sldId id="264" r:id="rId8"/>
+    <p:sldId id="259" r:id="rId9"/>
+    <p:sldId id="265" r:id="rId10"/>
+    <p:sldId id="262" r:id="rId11"/>
+    <p:sldId id="269" r:id="rId12"/>
+    <p:sldId id="263" r:id="rId13"/>
+    <p:sldId id="260" r:id="rId14"/>
+    <p:sldId id="268" r:id="rId15"/>
   </p:sldIdLst>
   <p:sldSz cx="12192000" cy="6858000"/>
   <p:notesSz cx="6858000" cy="9144000"/>
@@ -207,7 +210,7 @@
           <a:p>
             <a:fld id="{54A27AA5-BAF5-4588-B817-E7F5BF22FE0A}" type="datetimeFigureOut">
               <a:rPr lang="en-GB" smtClean="0"/>
-              <a:t>09/11/2021</a:t>
+              <a:t>14/11/2021</a:t>
             </a:fld>
             <a:endParaRPr lang="en-GB"/>
           </a:p>
@@ -540,7 +543,7 @@
           <a:p>
             <a:fld id="{9CD0AFCF-035F-44D7-A598-3B17142E29A2}" type="slidenum">
               <a:rPr lang="en-GB" smtClean="0"/>
-              <a:t>10</a:t>
+              <a:t>12</a:t>
             </a:fld>
             <a:endParaRPr lang="en-GB"/>
           </a:p>
@@ -708,7 +711,7 @@
           <a:p>
             <a:fld id="{4A7CD4B7-1896-40FA-BCB1-23D61EC865BA}" type="datetimeFigureOut">
               <a:rPr lang="en-GB" smtClean="0"/>
-              <a:t>09/11/2021</a:t>
+              <a:t>14/11/2021</a:t>
             </a:fld>
             <a:endParaRPr lang="en-GB"/>
           </a:p>
@@ -908,7 +911,7 @@
           <a:p>
             <a:fld id="{4A7CD4B7-1896-40FA-BCB1-23D61EC865BA}" type="datetimeFigureOut">
               <a:rPr lang="en-GB" smtClean="0"/>
-              <a:t>09/11/2021</a:t>
+              <a:t>14/11/2021</a:t>
             </a:fld>
             <a:endParaRPr lang="en-GB"/>
           </a:p>
@@ -1118,7 +1121,7 @@
           <a:p>
             <a:fld id="{4A7CD4B7-1896-40FA-BCB1-23D61EC865BA}" type="datetimeFigureOut">
               <a:rPr lang="en-GB" smtClean="0"/>
-              <a:t>09/11/2021</a:t>
+              <a:t>14/11/2021</a:t>
             </a:fld>
             <a:endParaRPr lang="en-GB"/>
           </a:p>
@@ -1318,7 +1321,7 @@
           <a:p>
             <a:fld id="{4A7CD4B7-1896-40FA-BCB1-23D61EC865BA}" type="datetimeFigureOut">
               <a:rPr lang="en-GB" smtClean="0"/>
-              <a:t>09/11/2021</a:t>
+              <a:t>14/11/2021</a:t>
             </a:fld>
             <a:endParaRPr lang="en-GB"/>
           </a:p>
@@ -1594,7 +1597,7 @@
           <a:p>
             <a:fld id="{4A7CD4B7-1896-40FA-BCB1-23D61EC865BA}" type="datetimeFigureOut">
               <a:rPr lang="en-GB" smtClean="0"/>
-              <a:t>09/11/2021</a:t>
+              <a:t>14/11/2021</a:t>
             </a:fld>
             <a:endParaRPr lang="en-GB"/>
           </a:p>
@@ -1862,7 +1865,7 @@
           <a:p>
             <a:fld id="{4A7CD4B7-1896-40FA-BCB1-23D61EC865BA}" type="datetimeFigureOut">
               <a:rPr lang="en-GB" smtClean="0"/>
-              <a:t>09/11/2021</a:t>
+              <a:t>14/11/2021</a:t>
             </a:fld>
             <a:endParaRPr lang="en-GB"/>
           </a:p>
@@ -2277,7 +2280,7 @@
           <a:p>
             <a:fld id="{4A7CD4B7-1896-40FA-BCB1-23D61EC865BA}" type="datetimeFigureOut">
               <a:rPr lang="en-GB" smtClean="0"/>
-              <a:t>09/11/2021</a:t>
+              <a:t>14/11/2021</a:t>
             </a:fld>
             <a:endParaRPr lang="en-GB"/>
           </a:p>
@@ -2419,7 +2422,7 @@
           <a:p>
             <a:fld id="{4A7CD4B7-1896-40FA-BCB1-23D61EC865BA}" type="datetimeFigureOut">
               <a:rPr lang="en-GB" smtClean="0"/>
-              <a:t>09/11/2021</a:t>
+              <a:t>14/11/2021</a:t>
             </a:fld>
             <a:endParaRPr lang="en-GB"/>
           </a:p>
@@ -2532,7 +2535,7 @@
           <a:p>
             <a:fld id="{4A7CD4B7-1896-40FA-BCB1-23D61EC865BA}" type="datetimeFigureOut">
               <a:rPr lang="en-GB" smtClean="0"/>
-              <a:t>09/11/2021</a:t>
+              <a:t>14/11/2021</a:t>
             </a:fld>
             <a:endParaRPr lang="en-GB"/>
           </a:p>
@@ -2845,7 +2848,7 @@
           <a:p>
             <a:fld id="{4A7CD4B7-1896-40FA-BCB1-23D61EC865BA}" type="datetimeFigureOut">
               <a:rPr lang="en-GB" smtClean="0"/>
-              <a:t>09/11/2021</a:t>
+              <a:t>14/11/2021</a:t>
             </a:fld>
             <a:endParaRPr lang="en-GB"/>
           </a:p>
@@ -3134,7 +3137,7 @@
           <a:p>
             <a:fld id="{4A7CD4B7-1896-40FA-BCB1-23D61EC865BA}" type="datetimeFigureOut">
               <a:rPr lang="en-GB" smtClean="0"/>
-              <a:t>09/11/2021</a:t>
+              <a:t>14/11/2021</a:t>
             </a:fld>
             <a:endParaRPr lang="en-GB"/>
           </a:p>
@@ -3377,7 +3380,7 @@
           <a:p>
             <a:fld id="{4A7CD4B7-1896-40FA-BCB1-23D61EC865BA}" type="datetimeFigureOut">
               <a:rPr lang="en-GB" smtClean="0"/>
-              <a:t>09/11/2021</a:t>
+              <a:t>14/11/2021</a:t>
             </a:fld>
             <a:endParaRPr lang="en-GB"/>
           </a:p>
@@ -3860,6 +3863,314 @@
 <file path=ppt/slides/slide10.xml><?xml version="1.0" encoding="utf-8"?>
 <p:sld xmlns:a="http://schemas.openxmlformats.org/drawingml/2006/main" xmlns:r="http://schemas.openxmlformats.org/officeDocument/2006/relationships" xmlns:p="http://schemas.openxmlformats.org/presentationml/2006/main">
   <p:cSld>
+    <p:spTree>
+      <p:nvGrpSpPr>
+        <p:cNvPr id="1" name=""/>
+        <p:cNvGrpSpPr/>
+        <p:nvPr/>
+      </p:nvGrpSpPr>
+      <p:grpSpPr>
+        <a:xfrm>
+          <a:off x="0" y="0"/>
+          <a:ext cx="0" cy="0"/>
+          <a:chOff x="0" y="0"/>
+          <a:chExt cx="0" cy="0"/>
+        </a:xfrm>
+      </p:grpSpPr>
+      <p:sp>
+        <p:nvSpPr>
+          <p:cNvPr id="2" name="Title 1">
+            <a:extLst>
+              <a:ext uri="{FF2B5EF4-FFF2-40B4-BE49-F238E27FC236}">
+                <a16:creationId xmlns:a16="http://schemas.microsoft.com/office/drawing/2014/main" id="{96075AE1-2DAD-4679-A98C-B24BCB9BF35D}"/>
+              </a:ext>
+            </a:extLst>
+          </p:cNvPr>
+          <p:cNvSpPr>
+            <a:spLocks noGrp="1"/>
+          </p:cNvSpPr>
+          <p:nvPr>
+            <p:ph type="title"/>
+          </p:nvPr>
+        </p:nvSpPr>
+        <p:spPr/>
+        <p:txBody>
+          <a:bodyPr/>
+          <a:lstStyle/>
+          <a:p>
+            <a:r>
+              <a:rPr lang="en-GB"/>
+              <a:t>Thread creation</a:t>
+            </a:r>
+            <a:endParaRPr lang="en-GB" dirty="0"/>
+          </a:p>
+        </p:txBody>
+      </p:sp>
+      <p:pic>
+        <p:nvPicPr>
+          <p:cNvPr id="5" name="Content Placeholder 4">
+            <a:extLst>
+              <a:ext uri="{FF2B5EF4-FFF2-40B4-BE49-F238E27FC236}">
+                <a16:creationId xmlns:a16="http://schemas.microsoft.com/office/drawing/2014/main" id="{AC6E6641-F4BD-434A-B28F-AC0E609BD62C}"/>
+              </a:ext>
+            </a:extLst>
+          </p:cNvPr>
+          <p:cNvPicPr>
+            <a:picLocks noGrp="1" noChangeAspect="1"/>
+          </p:cNvPicPr>
+          <p:nvPr>
+            <p:ph idx="1"/>
+          </p:nvPr>
+        </p:nvPicPr>
+        <p:blipFill>
+          <a:blip r:embed="rId2">
+            <a:extLst>
+              <a:ext uri="{28A0092B-C50C-407E-A947-70E740481C1C}">
+                <a14:useLocalDpi xmlns:a14="http://schemas.microsoft.com/office/drawing/2010/main" val="0"/>
+              </a:ext>
+              <a:ext uri="{96DAC541-7B7A-43D3-8B79-37D633B846F1}">
+                <asvg:svgBlip xmlns:asvg="http://schemas.microsoft.com/office/drawing/2016/SVG/main" r:embed="rId3"/>
+              </a:ext>
+            </a:extLst>
+          </a:blip>
+          <a:stretch>
+            <a:fillRect/>
+          </a:stretch>
+        </p:blipFill>
+        <p:spPr>
+          <a:xfrm>
+            <a:off x="838200" y="2439616"/>
+            <a:ext cx="10515600" cy="3123356"/>
+          </a:xfrm>
+        </p:spPr>
+      </p:pic>
+    </p:spTree>
+    <p:extLst>
+      <p:ext uri="{BB962C8B-B14F-4D97-AF65-F5344CB8AC3E}">
+        <p14:creationId xmlns:p14="http://schemas.microsoft.com/office/powerpoint/2010/main" val="2851848987"/>
+      </p:ext>
+    </p:extLst>
+  </p:cSld>
+  <p:clrMapOvr>
+    <a:masterClrMapping/>
+  </p:clrMapOvr>
+</p:sld>
+</file>
+
+<file path=ppt/slides/slide11.xml><?xml version="1.0" encoding="utf-8"?>
+<p:sld xmlns:a="http://schemas.openxmlformats.org/drawingml/2006/main" xmlns:r="http://schemas.openxmlformats.org/officeDocument/2006/relationships" xmlns:p="http://schemas.openxmlformats.org/presentationml/2006/main">
+  <p:cSld>
+    <p:spTree>
+      <p:nvGrpSpPr>
+        <p:cNvPr id="1" name=""/>
+        <p:cNvGrpSpPr/>
+        <p:nvPr/>
+      </p:nvGrpSpPr>
+      <p:grpSpPr>
+        <a:xfrm>
+          <a:off x="0" y="0"/>
+          <a:ext cx="0" cy="0"/>
+          <a:chOff x="0" y="0"/>
+          <a:chExt cx="0" cy="0"/>
+        </a:xfrm>
+      </p:grpSpPr>
+      <p:sp>
+        <p:nvSpPr>
+          <p:cNvPr id="2" name="Title 1">
+            <a:extLst>
+              <a:ext uri="{FF2B5EF4-FFF2-40B4-BE49-F238E27FC236}">
+                <a16:creationId xmlns:a16="http://schemas.microsoft.com/office/drawing/2014/main" id="{0C880A18-A917-4226-ADCE-32BE8CD530F6}"/>
+              </a:ext>
+            </a:extLst>
+          </p:cNvPr>
+          <p:cNvSpPr>
+            <a:spLocks noGrp="1"/>
+          </p:cNvSpPr>
+          <p:nvPr>
+            <p:ph type="title"/>
+          </p:nvPr>
+        </p:nvSpPr>
+        <p:spPr/>
+        <p:txBody>
+          <a:bodyPr/>
+          <a:lstStyle/>
+          <a:p>
+            <a:r>
+              <a:rPr lang="en-GB" dirty="0"/>
+              <a:t>Exercises: Implement the code</a:t>
+            </a:r>
+          </a:p>
+        </p:txBody>
+      </p:sp>
+      <p:sp>
+        <p:nvSpPr>
+          <p:cNvPr id="3" name="Content Placeholder 2">
+            <a:extLst>
+              <a:ext uri="{FF2B5EF4-FFF2-40B4-BE49-F238E27FC236}">
+                <a16:creationId xmlns:a16="http://schemas.microsoft.com/office/drawing/2014/main" id="{3B7D7FE3-38A1-4EF2-ADBD-B74A5F2F2788}"/>
+              </a:ext>
+            </a:extLst>
+          </p:cNvPr>
+          <p:cNvSpPr>
+            <a:spLocks noGrp="1"/>
+          </p:cNvSpPr>
+          <p:nvPr>
+            <p:ph idx="1"/>
+          </p:nvPr>
+        </p:nvSpPr>
+        <p:spPr>
+          <a:xfrm>
+            <a:off x="838200" y="1806964"/>
+            <a:ext cx="10515600" cy="4351338"/>
+          </a:xfrm>
+        </p:spPr>
+        <p:txBody>
+          <a:bodyPr/>
+          <a:lstStyle/>
+          <a:p>
+            <a:r>
+              <a:rPr lang="en-GB" dirty="0"/>
+              <a:t>Open the </a:t>
+            </a:r>
+            <a:r>
+              <a:rPr lang="en-GB" b="1" dirty="0" err="1"/>
+              <a:t>Chaty_Exercise</a:t>
+            </a:r>
+            <a:r>
+              <a:rPr lang="en-GB" dirty="0"/>
+              <a:t> project that exists in the git Repo</a:t>
+            </a:r>
+          </a:p>
+          <a:p>
+            <a:pPr lvl="1"/>
+            <a:r>
+              <a:rPr lang="en-GB" dirty="0"/>
+              <a:t>1</a:t>
+            </a:r>
+            <a:r>
+              <a:rPr lang="en-GB" baseline="30000" dirty="0"/>
+              <a:t>st</a:t>
+            </a:r>
+            <a:r>
+              <a:rPr lang="en-GB" dirty="0"/>
+              <a:t> exercise open Class </a:t>
+            </a:r>
+            <a:r>
+              <a:rPr lang="en-GB" b="1" i="1" dirty="0" err="1"/>
+              <a:t>ActiveMQService</a:t>
+            </a:r>
+            <a:r>
+              <a:rPr lang="en-GB" dirty="0"/>
+              <a:t> and follow the instructions</a:t>
+            </a:r>
+          </a:p>
+          <a:p>
+            <a:pPr lvl="1"/>
+            <a:r>
+              <a:rPr lang="en-GB" dirty="0"/>
+              <a:t>2</a:t>
+            </a:r>
+            <a:r>
+              <a:rPr lang="en-GB" baseline="30000" dirty="0"/>
+              <a:t>nd</a:t>
+            </a:r>
+            <a:r>
+              <a:rPr lang="en-GB" dirty="0"/>
+              <a:t> exercise open the </a:t>
+            </a:r>
+            <a:r>
+              <a:rPr lang="en-GB" b="1" i="1" dirty="0" err="1"/>
+              <a:t>ChatBoxController</a:t>
+            </a:r>
+            <a:r>
+              <a:rPr lang="en-GB" dirty="0"/>
+              <a:t> and follow the instructions</a:t>
+            </a:r>
+          </a:p>
+          <a:p>
+            <a:pPr lvl="1"/>
+            <a:r>
+              <a:rPr lang="en-GB" dirty="0"/>
+              <a:t>3</a:t>
+            </a:r>
+            <a:r>
+              <a:rPr lang="en-GB" baseline="30000" dirty="0"/>
+              <a:t>rd</a:t>
+            </a:r>
+            <a:r>
+              <a:rPr lang="en-GB" dirty="0"/>
+              <a:t> exercise open the </a:t>
+            </a:r>
+            <a:r>
+              <a:rPr lang="en-GB" b="1" i="1" dirty="0" err="1"/>
+              <a:t>ChatUpdaterRunnable</a:t>
+            </a:r>
+            <a:r>
+              <a:rPr lang="en-GB" b="1" dirty="0"/>
+              <a:t> </a:t>
+            </a:r>
+            <a:r>
+              <a:rPr lang="en-GB" dirty="0"/>
+              <a:t>and follow the instructions</a:t>
+            </a:r>
+          </a:p>
+          <a:p>
+            <a:pPr lvl="1"/>
+            <a:r>
+              <a:rPr lang="en-GB" dirty="0"/>
+              <a:t>4</a:t>
+            </a:r>
+            <a:r>
+              <a:rPr lang="en-GB" baseline="30000" dirty="0"/>
+              <a:t>th</a:t>
+            </a:r>
+            <a:r>
+              <a:rPr lang="en-GB" dirty="0"/>
+              <a:t> exercise open the </a:t>
+            </a:r>
+            <a:r>
+              <a:rPr lang="en-GB" b="1" i="1" dirty="0" err="1"/>
+              <a:t>ActiveMQBrokerInfoRetrieverImpl</a:t>
+            </a:r>
+            <a:r>
+              <a:rPr lang="en-GB" dirty="0"/>
+              <a:t> class and follow the instructions</a:t>
+            </a:r>
+          </a:p>
+          <a:p>
+            <a:pPr lvl="1"/>
+            <a:endParaRPr lang="en-GB" dirty="0"/>
+          </a:p>
+          <a:p>
+            <a:pPr marL="457200" lvl="1" indent="0">
+              <a:buNone/>
+            </a:pPr>
+            <a:r>
+              <a:rPr lang="en-GB" i="1" dirty="0"/>
+              <a:t>User the smaller examples that were provided before, your partner and don’t be afraid to ask questions</a:t>
+            </a:r>
+          </a:p>
+          <a:p>
+            <a:endParaRPr lang="en-GB" dirty="0"/>
+          </a:p>
+        </p:txBody>
+      </p:sp>
+    </p:spTree>
+    <p:extLst>
+      <p:ext uri="{BB962C8B-B14F-4D97-AF65-F5344CB8AC3E}">
+        <p14:creationId xmlns:p14="http://schemas.microsoft.com/office/powerpoint/2010/main" val="3466411618"/>
+      </p:ext>
+    </p:extLst>
+  </p:cSld>
+  <p:clrMapOvr>
+    <a:masterClrMapping/>
+  </p:clrMapOvr>
+</p:sld>
+</file>
+
+<file path=ppt/slides/slide12.xml><?xml version="1.0" encoding="utf-8"?>
+<p:sld xmlns:a="http://schemas.openxmlformats.org/drawingml/2006/main" xmlns:r="http://schemas.openxmlformats.org/officeDocument/2006/relationships" xmlns:p="http://schemas.openxmlformats.org/presentationml/2006/main">
+  <p:cSld>
     <p:bg>
       <p:bgPr>
         <a:solidFill>
@@ -4395,7 +4706,7 @@
 </p:sld>
 </file>
 
-<file path=ppt/slides/slide11.xml><?xml version="1.0" encoding="utf-8"?>
+<file path=ppt/slides/slide13.xml><?xml version="1.0" encoding="utf-8"?>
 <p:sld xmlns:a="http://schemas.openxmlformats.org/drawingml/2006/main" xmlns:r="http://schemas.openxmlformats.org/officeDocument/2006/relationships" xmlns:p="http://schemas.openxmlformats.org/presentationml/2006/main">
   <p:cSld>
     <p:spTree>
@@ -4526,6 +4837,125 @@
     <p:extLst>
       <p:ext uri="{BB962C8B-B14F-4D97-AF65-F5344CB8AC3E}">
         <p14:creationId xmlns:p14="http://schemas.microsoft.com/office/powerpoint/2010/main" val="3621271879"/>
+      </p:ext>
+    </p:extLst>
+  </p:cSld>
+  <p:clrMapOvr>
+    <a:masterClrMapping/>
+  </p:clrMapOvr>
+</p:sld>
+</file>
+
+<file path=ppt/slides/slide14.xml><?xml version="1.0" encoding="utf-8"?>
+<p:sld xmlns:a="http://schemas.openxmlformats.org/drawingml/2006/main" xmlns:r="http://schemas.openxmlformats.org/officeDocument/2006/relationships" xmlns:p="http://schemas.openxmlformats.org/presentationml/2006/main">
+  <p:cSld>
+    <p:spTree>
+      <p:nvGrpSpPr>
+        <p:cNvPr id="1" name=""/>
+        <p:cNvGrpSpPr/>
+        <p:nvPr/>
+      </p:nvGrpSpPr>
+      <p:grpSpPr>
+        <a:xfrm>
+          <a:off x="0" y="0"/>
+          <a:ext cx="0" cy="0"/>
+          <a:chOff x="0" y="0"/>
+          <a:chExt cx="0" cy="0"/>
+        </a:xfrm>
+      </p:grpSpPr>
+      <p:sp>
+        <p:nvSpPr>
+          <p:cNvPr id="2" name="Title 1">
+            <a:extLst>
+              <a:ext uri="{FF2B5EF4-FFF2-40B4-BE49-F238E27FC236}">
+                <a16:creationId xmlns:a16="http://schemas.microsoft.com/office/drawing/2014/main" id="{DEF7200C-2806-41D2-BEF7-BA6D63C7046A}"/>
+              </a:ext>
+            </a:extLst>
+          </p:cNvPr>
+          <p:cNvSpPr>
+            <a:spLocks noGrp="1"/>
+          </p:cNvSpPr>
+          <p:nvPr>
+            <p:ph type="title"/>
+          </p:nvPr>
+        </p:nvSpPr>
+        <p:spPr/>
+        <p:txBody>
+          <a:bodyPr/>
+          <a:lstStyle/>
+          <a:p>
+            <a:r>
+              <a:rPr lang="en-GB" dirty="0"/>
+              <a:t>Useful links for self read</a:t>
+            </a:r>
+          </a:p>
+        </p:txBody>
+      </p:sp>
+      <p:sp>
+        <p:nvSpPr>
+          <p:cNvPr id="3" name="Content Placeholder 2">
+            <a:extLst>
+              <a:ext uri="{FF2B5EF4-FFF2-40B4-BE49-F238E27FC236}">
+                <a16:creationId xmlns:a16="http://schemas.microsoft.com/office/drawing/2014/main" id="{3A86A016-C815-4E9D-A0AC-FF22B3E0C081}"/>
+              </a:ext>
+            </a:extLst>
+          </p:cNvPr>
+          <p:cNvSpPr>
+            <a:spLocks noGrp="1"/>
+          </p:cNvSpPr>
+          <p:nvPr>
+            <p:ph idx="1"/>
+          </p:nvPr>
+        </p:nvSpPr>
+        <p:spPr/>
+        <p:txBody>
+          <a:bodyPr/>
+          <a:lstStyle/>
+          <a:p>
+            <a:r>
+              <a:rPr lang="en-GB" dirty="0"/>
+              <a:t>All inclusive ActiveMQ book: </a:t>
+            </a:r>
+            <a:r>
+              <a:rPr lang="en-GB" dirty="0">
+                <a:hlinkClick r:id="rId2"/>
+              </a:rPr>
+              <a:t>ActiveMQ in Action</a:t>
+            </a:r>
+            <a:endParaRPr lang="en-GB" dirty="0"/>
+          </a:p>
+          <a:p>
+            <a:r>
+              <a:rPr lang="en-GB" dirty="0"/>
+              <a:t>How to Scale ActiveMQ: </a:t>
+            </a:r>
+            <a:r>
+              <a:rPr lang="en-GB" dirty="0">
+                <a:hlinkClick r:id="rId3"/>
+              </a:rPr>
+              <a:t>SlideShare</a:t>
+            </a:r>
+            <a:endParaRPr lang="en-GB" dirty="0"/>
+          </a:p>
+          <a:p>
+            <a:r>
+              <a:rPr lang="en-GB" dirty="0"/>
+              <a:t>ActiveMQ Supported Protocols: </a:t>
+            </a:r>
+            <a:r>
+              <a:rPr lang="en-GB" dirty="0">
+                <a:hlinkClick r:id="rId4"/>
+              </a:rPr>
+              <a:t>Protocols</a:t>
+            </a:r>
+            <a:endParaRPr lang="en-GB" dirty="0"/>
+          </a:p>
+        </p:txBody>
+      </p:sp>
+    </p:spTree>
+    <p:extLst>
+      <p:ext uri="{BB962C8B-B14F-4D97-AF65-F5344CB8AC3E}">
+        <p14:creationId xmlns:p14="http://schemas.microsoft.com/office/powerpoint/2010/main" val="2964025799"/>
       </p:ext>
     </p:extLst>
   </p:cSld>
@@ -4688,6 +5118,325 @@
           <p:cNvPr id="2" name="Title 1">
             <a:extLst>
               <a:ext uri="{FF2B5EF4-FFF2-40B4-BE49-F238E27FC236}">
+                <a16:creationId xmlns:a16="http://schemas.microsoft.com/office/drawing/2014/main" id="{C0DD3609-9125-4FFA-AD2D-68B5ABA028A4}"/>
+              </a:ext>
+            </a:extLst>
+          </p:cNvPr>
+          <p:cNvSpPr>
+            <a:spLocks noGrp="1"/>
+          </p:cNvSpPr>
+          <p:nvPr>
+            <p:ph type="title"/>
+          </p:nvPr>
+        </p:nvSpPr>
+        <p:spPr>
+          <a:xfrm>
+            <a:off x="765051" y="662400"/>
+            <a:ext cx="3384000" cy="1492132"/>
+          </a:xfrm>
+        </p:spPr>
+        <p:txBody>
+          <a:bodyPr anchor="t">
+            <a:normAutofit/>
+          </a:bodyPr>
+          <a:lstStyle/>
+          <a:p>
+            <a:r>
+              <a:rPr lang="en-GB" dirty="0"/>
+              <a:t>ActiveMQ storage</a:t>
+            </a:r>
+          </a:p>
+        </p:txBody>
+      </p:sp>
+      <p:sp>
+        <p:nvSpPr>
+          <p:cNvPr id="3" name="Content Placeholder 2">
+            <a:extLst>
+              <a:ext uri="{FF2B5EF4-FFF2-40B4-BE49-F238E27FC236}">
+                <a16:creationId xmlns:a16="http://schemas.microsoft.com/office/drawing/2014/main" id="{B89C8AB7-A314-4DFC-98D2-2685AA8E61C3}"/>
+              </a:ext>
+            </a:extLst>
+          </p:cNvPr>
+          <p:cNvSpPr>
+            <a:spLocks noGrp="1"/>
+          </p:cNvSpPr>
+          <p:nvPr>
+            <p:ph idx="1"/>
+          </p:nvPr>
+        </p:nvSpPr>
+        <p:spPr>
+          <a:xfrm>
+            <a:off x="765051" y="2286000"/>
+            <a:ext cx="3384000" cy="3844800"/>
+          </a:xfrm>
+        </p:spPr>
+        <p:txBody>
+          <a:bodyPr>
+            <a:normAutofit/>
+          </a:bodyPr>
+          <a:lstStyle/>
+          <a:p>
+            <a:r>
+              <a:rPr lang="en-GB" sz="1100" dirty="0">
+                <a:solidFill>
+                  <a:schemeClr val="tx1">
+                    <a:alpha val="60000"/>
+                  </a:schemeClr>
+                </a:solidFill>
+              </a:rPr>
+              <a:t>Store</a:t>
+            </a:r>
+          </a:p>
+          <a:p>
+            <a:pPr lvl="1"/>
+            <a:r>
+              <a:rPr lang="en-GB" sz="1100" dirty="0">
+                <a:solidFill>
+                  <a:schemeClr val="tx1">
+                    <a:alpha val="60000"/>
+                  </a:schemeClr>
+                </a:solidFill>
+              </a:rPr>
+              <a:t>% of assigned disk space that has been used up to store persistent messages (</a:t>
+            </a:r>
+            <a:r>
+              <a:rPr lang="en-GB" sz="1100" dirty="0" err="1">
+                <a:solidFill>
+                  <a:schemeClr val="tx1">
+                    <a:alpha val="60000"/>
+                  </a:schemeClr>
+                </a:solidFill>
+              </a:rPr>
+              <a:t>KahaDB</a:t>
+            </a:r>
+            <a:r>
+              <a:rPr lang="en-GB" sz="1100" dirty="0">
+                <a:solidFill>
+                  <a:schemeClr val="tx1">
+                    <a:alpha val="60000"/>
+                  </a:schemeClr>
+                </a:solidFill>
+              </a:rPr>
+              <a:t>)</a:t>
+            </a:r>
+          </a:p>
+          <a:p>
+            <a:r>
+              <a:rPr lang="en-GB" sz="1100" dirty="0">
+                <a:solidFill>
+                  <a:schemeClr val="tx1">
+                    <a:alpha val="60000"/>
+                  </a:schemeClr>
+                </a:solidFill>
+              </a:rPr>
+              <a:t>Temp</a:t>
+            </a:r>
+          </a:p>
+          <a:p>
+            <a:pPr lvl="1"/>
+            <a:r>
+              <a:rPr lang="en-GB" sz="1100" dirty="0">
+                <a:solidFill>
+                  <a:schemeClr val="tx1">
+                    <a:alpha val="60000"/>
+                  </a:schemeClr>
+                </a:solidFill>
+              </a:rPr>
+              <a:t>Assigned of disk storage space % </a:t>
+            </a:r>
+          </a:p>
+          <a:p>
+            <a:pPr lvl="1"/>
+            <a:r>
+              <a:rPr lang="en-GB" sz="1100" dirty="0">
+                <a:solidFill>
+                  <a:schemeClr val="tx1">
+                    <a:alpha val="60000"/>
+                  </a:schemeClr>
+                </a:solidFill>
+              </a:rPr>
+              <a:t>Is used to store non-persistent messages</a:t>
+            </a:r>
+          </a:p>
+          <a:p>
+            <a:r>
+              <a:rPr lang="en-GB" sz="1100" dirty="0">
+                <a:solidFill>
+                  <a:schemeClr val="tx1">
+                    <a:alpha val="60000"/>
+                  </a:schemeClr>
+                </a:solidFill>
+              </a:rPr>
+              <a:t>Memory</a:t>
+            </a:r>
+          </a:p>
+          <a:p>
+            <a:pPr lvl="1"/>
+            <a:r>
+              <a:rPr lang="en-GB" sz="1100" dirty="0">
+                <a:solidFill>
+                  <a:schemeClr val="tx1">
+                    <a:alpha val="60000"/>
+                  </a:schemeClr>
+                </a:solidFill>
+              </a:rPr>
+              <a:t>Amount of memory assigned to the broker to keep track of destinations. </a:t>
+            </a:r>
+          </a:p>
+          <a:p>
+            <a:pPr lvl="1"/>
+            <a:r>
+              <a:rPr lang="en-GB" sz="1100" dirty="0">
+                <a:solidFill>
+                  <a:schemeClr val="tx1">
+                    <a:alpha val="60000"/>
+                  </a:schemeClr>
+                </a:solidFill>
+              </a:rPr>
+              <a:t>Needs to be less than the JVM heap size</a:t>
+            </a:r>
+          </a:p>
+          <a:p>
+            <a:pPr marL="457200" lvl="1" indent="0">
+              <a:buNone/>
+            </a:pPr>
+            <a:r>
+              <a:rPr lang="en-GB" sz="1100" dirty="0">
+                <a:solidFill>
+                  <a:schemeClr val="tx1">
+                    <a:alpha val="60000"/>
+                  </a:schemeClr>
+                </a:solidFill>
+              </a:rPr>
+              <a:t>								</a:t>
+            </a:r>
+          </a:p>
+          <a:p>
+            <a:pPr marL="457200" lvl="1" indent="0">
+              <a:buNone/>
+            </a:pPr>
+            <a:r>
+              <a:rPr lang="en-GB" sz="1100" dirty="0">
+                <a:solidFill>
+                  <a:schemeClr val="tx1">
+                    <a:alpha val="60000"/>
+                  </a:schemeClr>
+                </a:solidFill>
+              </a:rPr>
+              <a:t>								</a:t>
+            </a:r>
+            <a:r>
+              <a:rPr lang="en-GB" sz="1100" b="1" dirty="0">
+                <a:solidFill>
+                  <a:schemeClr val="tx1">
+                    <a:alpha val="60000"/>
+                  </a:schemeClr>
+                </a:solidFill>
+              </a:rPr>
+              <a:t>Source</a:t>
+            </a:r>
+            <a:r>
+              <a:rPr lang="en-GB" sz="1100" dirty="0">
+                <a:solidFill>
+                  <a:schemeClr val="tx1">
+                    <a:alpha val="60000"/>
+                  </a:schemeClr>
+                </a:solidFill>
+              </a:rPr>
+              <a:t>: </a:t>
+            </a:r>
+            <a:r>
+              <a:rPr lang="en-GB" sz="1100" dirty="0" err="1">
+                <a:solidFill>
+                  <a:schemeClr val="tx1">
+                    <a:alpha val="60000"/>
+                  </a:schemeClr>
+                </a:solidFill>
+                <a:hlinkClick r:id="rId2">
+                  <a:extLst>
+                    <a:ext uri="{A12FA001-AC4F-418D-AE19-62706E023703}">
+                      <ahyp:hlinkClr xmlns:ahyp="http://schemas.microsoft.com/office/drawing/2018/hyperlinkcolor" val="tx"/>
+                    </a:ext>
+                  </a:extLst>
+                </a:hlinkClick>
+              </a:rPr>
+              <a:t>DZone</a:t>
+            </a:r>
+            <a:endParaRPr lang="en-GB" sz="1100" dirty="0">
+              <a:solidFill>
+                <a:schemeClr val="tx1">
+                  <a:alpha val="60000"/>
+                </a:schemeClr>
+              </a:solidFill>
+            </a:endParaRPr>
+          </a:p>
+        </p:txBody>
+      </p:sp>
+      <p:pic>
+        <p:nvPicPr>
+          <p:cNvPr id="5" name="Picture 4">
+            <a:extLst>
+              <a:ext uri="{FF2B5EF4-FFF2-40B4-BE49-F238E27FC236}">
+                <a16:creationId xmlns:a16="http://schemas.microsoft.com/office/drawing/2014/main" id="{07D0D225-6287-4460-880A-77F75D387C19}"/>
+              </a:ext>
+            </a:extLst>
+          </p:cNvPr>
+          <p:cNvPicPr>
+            <a:picLocks noChangeAspect="1"/>
+          </p:cNvPicPr>
+          <p:nvPr/>
+        </p:nvPicPr>
+        <p:blipFill>
+          <a:blip r:embed="rId3"/>
+          <a:stretch>
+            <a:fillRect/>
+          </a:stretch>
+        </p:blipFill>
+        <p:spPr>
+          <a:xfrm>
+            <a:off x="5411053" y="2143468"/>
+            <a:ext cx="6014185" cy="2571063"/>
+          </a:xfrm>
+          <a:prstGeom prst="rect">
+            <a:avLst/>
+          </a:prstGeom>
+        </p:spPr>
+      </p:pic>
+    </p:spTree>
+    <p:extLst>
+      <p:ext uri="{BB962C8B-B14F-4D97-AF65-F5344CB8AC3E}">
+        <p14:creationId xmlns:p14="http://schemas.microsoft.com/office/powerpoint/2010/main" val="1738590666"/>
+      </p:ext>
+    </p:extLst>
+  </p:cSld>
+  <p:clrMapOvr>
+    <a:masterClrMapping/>
+  </p:clrMapOvr>
+</p:sld>
+</file>
+
+<file path=ppt/slides/slide4.xml><?xml version="1.0" encoding="utf-8"?>
+<p:sld xmlns:a="http://schemas.openxmlformats.org/drawingml/2006/main" xmlns:r="http://schemas.openxmlformats.org/officeDocument/2006/relationships" xmlns:p="http://schemas.openxmlformats.org/presentationml/2006/main">
+  <p:cSld>
+    <p:spTree>
+      <p:nvGrpSpPr>
+        <p:cNvPr id="1" name=""/>
+        <p:cNvGrpSpPr/>
+        <p:nvPr/>
+      </p:nvGrpSpPr>
+      <p:grpSpPr>
+        <a:xfrm>
+          <a:off x="0" y="0"/>
+          <a:ext cx="0" cy="0"/>
+          <a:chOff x="0" y="0"/>
+          <a:chExt cx="0" cy="0"/>
+        </a:xfrm>
+      </p:grpSpPr>
+      <p:sp>
+        <p:nvSpPr>
+          <p:cNvPr id="2" name="Title 1">
+            <a:extLst>
+              <a:ext uri="{FF2B5EF4-FFF2-40B4-BE49-F238E27FC236}">
                 <a16:creationId xmlns:a16="http://schemas.microsoft.com/office/drawing/2014/main" id="{1CECA526-1378-420B-9013-0B282D84C187}"/>
               </a:ext>
             </a:extLst>
@@ -4824,7 +5573,7 @@
 </p:sld>
 </file>
 
-<file path=ppt/slides/slide4.xml><?xml version="1.0" encoding="utf-8"?>
+<file path=ppt/slides/slide5.xml><?xml version="1.0" encoding="utf-8"?>
 <p:sld xmlns:a="http://schemas.openxmlformats.org/drawingml/2006/main" xmlns:r="http://schemas.openxmlformats.org/officeDocument/2006/relationships" xmlns:p="http://schemas.openxmlformats.org/presentationml/2006/main">
   <p:cSld>
     <p:bg>
@@ -5009,7 +5758,7 @@
 </p:sld>
 </file>
 
-<file path=ppt/slides/slide5.xml><?xml version="1.0" encoding="utf-8"?>
+<file path=ppt/slides/slide6.xml><?xml version="1.0" encoding="utf-8"?>
 <p:sld xmlns:a="http://schemas.openxmlformats.org/drawingml/2006/main" xmlns:r="http://schemas.openxmlformats.org/officeDocument/2006/relationships" xmlns:p="http://schemas.openxmlformats.org/presentationml/2006/main">
   <p:cSld>
     <p:bg>
@@ -5804,7 +6553,7 @@
 </p:sld>
 </file>
 
-<file path=ppt/slides/slide6.xml><?xml version="1.0" encoding="utf-8"?>
+<file path=ppt/slides/slide7.xml><?xml version="1.0" encoding="utf-8"?>
 <p:sld xmlns:a="http://schemas.openxmlformats.org/drawingml/2006/main" xmlns:r="http://schemas.openxmlformats.org/officeDocument/2006/relationships" xmlns:p="http://schemas.openxmlformats.org/presentationml/2006/main">
   <p:cSld>
     <p:spTree>
@@ -5904,7 +6653,7 @@
 </p:sld>
 </file>
 
-<file path=ppt/slides/slide7.xml><?xml version="1.0" encoding="utf-8"?>
+<file path=ppt/slides/slide8.xml><?xml version="1.0" encoding="utf-8"?>
 <p:sld xmlns:a="http://schemas.openxmlformats.org/drawingml/2006/main" xmlns:r="http://schemas.openxmlformats.org/officeDocument/2006/relationships" xmlns:p="http://schemas.openxmlformats.org/presentationml/2006/main">
   <p:cSld>
     <p:bg>
@@ -6088,104 +6837,6 @@
 </p:sld>
 </file>
 
-<file path=ppt/slides/slide8.xml><?xml version="1.0" encoding="utf-8"?>
-<p:sld xmlns:a="http://schemas.openxmlformats.org/drawingml/2006/main" xmlns:r="http://schemas.openxmlformats.org/officeDocument/2006/relationships" xmlns:p="http://schemas.openxmlformats.org/presentationml/2006/main">
-  <p:cSld>
-    <p:spTree>
-      <p:nvGrpSpPr>
-        <p:cNvPr id="1" name=""/>
-        <p:cNvGrpSpPr/>
-        <p:nvPr/>
-      </p:nvGrpSpPr>
-      <p:grpSpPr>
-        <a:xfrm>
-          <a:off x="0" y="0"/>
-          <a:ext cx="0" cy="0"/>
-          <a:chOff x="0" y="0"/>
-          <a:chExt cx="0" cy="0"/>
-        </a:xfrm>
-      </p:grpSpPr>
-      <p:sp>
-        <p:nvSpPr>
-          <p:cNvPr id="2" name="Title 1">
-            <a:extLst>
-              <a:ext uri="{FF2B5EF4-FFF2-40B4-BE49-F238E27FC236}">
-                <a16:creationId xmlns:a16="http://schemas.microsoft.com/office/drawing/2014/main" id="{B7480BC8-A8AC-403C-815F-ABB7F66BF34F}"/>
-              </a:ext>
-            </a:extLst>
-          </p:cNvPr>
-          <p:cNvSpPr>
-            <a:spLocks noGrp="1"/>
-          </p:cNvSpPr>
-          <p:nvPr>
-            <p:ph type="title"/>
-          </p:nvPr>
-        </p:nvSpPr>
-        <p:spPr/>
-        <p:txBody>
-          <a:bodyPr/>
-          <a:lstStyle/>
-          <a:p>
-            <a:r>
-              <a:rPr lang="en-GB" dirty="0"/>
-              <a:t>Main Functionality - </a:t>
-            </a:r>
-            <a:r>
-              <a:rPr lang="en-GB" dirty="0" err="1"/>
-              <a:t>ChatBoxController</a:t>
-            </a:r>
-            <a:endParaRPr lang="en-GB" dirty="0"/>
-          </a:p>
-        </p:txBody>
-      </p:sp>
-      <p:pic>
-        <p:nvPicPr>
-          <p:cNvPr id="5" name="Content Placeholder 4" descr="Diagram, schematic&#10;&#10;Description automatically generated">
-            <a:extLst>
-              <a:ext uri="{FF2B5EF4-FFF2-40B4-BE49-F238E27FC236}">
-                <a16:creationId xmlns:a16="http://schemas.microsoft.com/office/drawing/2014/main" id="{5CAF7FAB-0B50-4181-ACEF-13757809A25B}"/>
-              </a:ext>
-            </a:extLst>
-          </p:cNvPr>
-          <p:cNvPicPr>
-            <a:picLocks noGrp="1" noChangeAspect="1"/>
-          </p:cNvPicPr>
-          <p:nvPr>
-            <p:ph idx="1"/>
-          </p:nvPr>
-        </p:nvPicPr>
-        <p:blipFill>
-          <a:blip r:embed="rId2">
-            <a:extLst>
-              <a:ext uri="{28A0092B-C50C-407E-A947-70E740481C1C}">
-                <a14:useLocalDpi xmlns:a14="http://schemas.microsoft.com/office/drawing/2010/main" val="0"/>
-              </a:ext>
-            </a:extLst>
-          </a:blip>
-          <a:stretch>
-            <a:fillRect/>
-          </a:stretch>
-        </p:blipFill>
-        <p:spPr>
-          <a:xfrm>
-            <a:off x="3532204" y="1825625"/>
-            <a:ext cx="5127592" cy="4351338"/>
-          </a:xfrm>
-        </p:spPr>
-      </p:pic>
-    </p:spTree>
-    <p:extLst>
-      <p:ext uri="{BB962C8B-B14F-4D97-AF65-F5344CB8AC3E}">
-        <p14:creationId xmlns:p14="http://schemas.microsoft.com/office/powerpoint/2010/main" val="827049895"/>
-      </p:ext>
-    </p:extLst>
-  </p:cSld>
-  <p:clrMapOvr>
-    <a:masterClrMapping/>
-  </p:clrMapOvr>
-</p:sld>
-</file>
-
 <file path=ppt/slides/slide9.xml><?xml version="1.0" encoding="utf-8"?>
 <p:sld xmlns:a="http://schemas.openxmlformats.org/drawingml/2006/main" xmlns:r="http://schemas.openxmlformats.org/officeDocument/2006/relationships" xmlns:p="http://schemas.openxmlformats.org/presentationml/2006/main">
   <p:cSld>
@@ -6208,7 +6859,7 @@
           <p:cNvPr id="2" name="Title 1">
             <a:extLst>
               <a:ext uri="{FF2B5EF4-FFF2-40B4-BE49-F238E27FC236}">
-                <a16:creationId xmlns:a16="http://schemas.microsoft.com/office/drawing/2014/main" id="{96075AE1-2DAD-4679-A98C-B24BCB9BF35D}"/>
+                <a16:creationId xmlns:a16="http://schemas.microsoft.com/office/drawing/2014/main" id="{B7480BC8-A8AC-403C-815F-ABB7F66BF34F}"/>
               </a:ext>
             </a:extLst>
           </p:cNvPr>
@@ -6225,8 +6876,12 @@
           <a:lstStyle/>
           <a:p>
             <a:r>
-              <a:rPr lang="en-GB"/>
-              <a:t>Thread creation</a:t>
+              <a:rPr lang="en-GB" dirty="0"/>
+              <a:t>Main Functionality - </a:t>
+            </a:r>
+            <a:r>
+              <a:rPr lang="en-GB" dirty="0" err="1"/>
+              <a:t>ChatBoxController</a:t>
             </a:r>
             <a:endParaRPr lang="en-GB" dirty="0"/>
           </a:p>
@@ -6234,10 +6889,10 @@
       </p:sp>
       <p:pic>
         <p:nvPicPr>
-          <p:cNvPr id="5" name="Content Placeholder 4">
-            <a:extLst>
-              <a:ext uri="{FF2B5EF4-FFF2-40B4-BE49-F238E27FC236}">
-                <a16:creationId xmlns:a16="http://schemas.microsoft.com/office/drawing/2014/main" id="{AC6E6641-F4BD-434A-B28F-AC0E609BD62C}"/>
+          <p:cNvPr id="5" name="Content Placeholder 4" descr="Diagram, schematic&#10;&#10;Description automatically generated">
+            <a:extLst>
+              <a:ext uri="{FF2B5EF4-FFF2-40B4-BE49-F238E27FC236}">
+                <a16:creationId xmlns:a16="http://schemas.microsoft.com/office/drawing/2014/main" id="{5CAF7FAB-0B50-4181-ACEF-13757809A25B}"/>
               </a:ext>
             </a:extLst>
           </p:cNvPr>
@@ -6253,9 +6908,6 @@
             <a:extLst>
               <a:ext uri="{28A0092B-C50C-407E-A947-70E740481C1C}">
                 <a14:useLocalDpi xmlns:a14="http://schemas.microsoft.com/office/drawing/2010/main" val="0"/>
-              </a:ext>
-              <a:ext uri="{96DAC541-7B7A-43D3-8B79-37D633B846F1}">
-                <asvg:svgBlip xmlns:asvg="http://schemas.microsoft.com/office/drawing/2016/SVG/main" r:embed="rId3"/>
               </a:ext>
             </a:extLst>
           </a:blip>
@@ -6265,15 +6917,15 @@
         </p:blipFill>
         <p:spPr>
           <a:xfrm>
-            <a:off x="838200" y="2439616"/>
-            <a:ext cx="10515600" cy="3123356"/>
+            <a:off x="3532204" y="1825625"/>
+            <a:ext cx="5127592" cy="4351338"/>
           </a:xfrm>
         </p:spPr>
       </p:pic>
     </p:spTree>
     <p:extLst>
       <p:ext uri="{BB962C8B-B14F-4D97-AF65-F5344CB8AC3E}">
-        <p14:creationId xmlns:p14="http://schemas.microsoft.com/office/powerpoint/2010/main" val="2851848987"/>
+        <p14:creationId xmlns:p14="http://schemas.microsoft.com/office/powerpoint/2010/main" val="827049895"/>
       </p:ext>
     </p:extLst>
   </p:cSld>

--- a/Diagrams/presentation.pptx
+++ b/Diagrams/presentation.pptx
@@ -4081,6 +4081,10 @@
             <a:r>
               <a:rPr lang="en-GB" b="1" i="1" dirty="0" err="1"/>
               <a:t>ChatBoxController</a:t>
+            </a:r>
+            <a:r>
+              <a:rPr lang="en-GB" b="1" i="1" dirty="0"/>
+              <a:t> – line 143</a:t>
             </a:r>
             <a:r>
               <a:rPr lang="en-GB" dirty="0"/>

--- a/Diagrams/presentation.pptx
+++ b/Diagrams/presentation.pptx
@@ -12,8 +12,8 @@
     <p:sldId id="261" r:id="rId3"/>
     <p:sldId id="267" r:id="rId4"/>
     <p:sldId id="266" r:id="rId5"/>
-    <p:sldId id="258" r:id="rId6"/>
-    <p:sldId id="257" r:id="rId7"/>
+    <p:sldId id="257" r:id="rId6"/>
+    <p:sldId id="258" r:id="rId7"/>
     <p:sldId id="264" r:id="rId8"/>
     <p:sldId id="259" r:id="rId9"/>
     <p:sldId id="265" r:id="rId10"/>
@@ -210,7 +210,7 @@
           <a:p>
             <a:fld id="{54A27AA5-BAF5-4588-B817-E7F5BF22FE0A}" type="datetimeFigureOut">
               <a:rPr lang="en-GB" smtClean="0"/>
-              <a:t>14/11/2021</a:t>
+              <a:t>18/11/2021</a:t>
             </a:fld>
             <a:endParaRPr lang="en-GB"/>
           </a:p>
@@ -543,6 +543,90 @@
           <a:p>
             <a:fld id="{9CD0AFCF-035F-44D7-A598-3B17142E29A2}" type="slidenum">
               <a:rPr lang="en-GB" smtClean="0"/>
+              <a:t>5</a:t>
+            </a:fld>
+            <a:endParaRPr lang="en-GB"/>
+          </a:p>
+        </p:txBody>
+      </p:sp>
+    </p:spTree>
+    <p:extLst>
+      <p:ext uri="{BB962C8B-B14F-4D97-AF65-F5344CB8AC3E}">
+        <p14:creationId xmlns:p14="http://schemas.microsoft.com/office/powerpoint/2010/main" val="2172144969"/>
+      </p:ext>
+    </p:extLst>
+  </p:cSld>
+  <p:clrMapOvr>
+    <a:masterClrMapping/>
+  </p:clrMapOvr>
+</p:notes>
+</file>
+
+<file path=ppt/notesSlides/notesSlide2.xml><?xml version="1.0" encoding="utf-8"?>
+<p:notes xmlns:a="http://schemas.openxmlformats.org/drawingml/2006/main" xmlns:r="http://schemas.openxmlformats.org/officeDocument/2006/relationships" xmlns:p="http://schemas.openxmlformats.org/presentationml/2006/main">
+  <p:cSld>
+    <p:spTree>
+      <p:nvGrpSpPr>
+        <p:cNvPr id="1" name=""/>
+        <p:cNvGrpSpPr/>
+        <p:nvPr/>
+      </p:nvGrpSpPr>
+      <p:grpSpPr>
+        <a:xfrm>
+          <a:off x="0" y="0"/>
+          <a:ext cx="0" cy="0"/>
+          <a:chOff x="0" y="0"/>
+          <a:chExt cx="0" cy="0"/>
+        </a:xfrm>
+      </p:grpSpPr>
+      <p:sp>
+        <p:nvSpPr>
+          <p:cNvPr id="2" name="Slide Image Placeholder 1"/>
+          <p:cNvSpPr>
+            <a:spLocks noGrp="1" noRot="1" noChangeAspect="1"/>
+          </p:cNvSpPr>
+          <p:nvPr>
+            <p:ph type="sldImg"/>
+          </p:nvPr>
+        </p:nvSpPr>
+        <p:spPr/>
+      </p:sp>
+      <p:sp>
+        <p:nvSpPr>
+          <p:cNvPr id="3" name="Notes Placeholder 2"/>
+          <p:cNvSpPr>
+            <a:spLocks noGrp="1"/>
+          </p:cNvSpPr>
+          <p:nvPr>
+            <p:ph type="body" idx="1"/>
+          </p:nvPr>
+        </p:nvSpPr>
+        <p:spPr/>
+        <p:txBody>
+          <a:bodyPr/>
+          <a:lstStyle/>
+          <a:p>
+            <a:endParaRPr lang="en-GB" dirty="0"/>
+          </a:p>
+        </p:txBody>
+      </p:sp>
+      <p:sp>
+        <p:nvSpPr>
+          <p:cNvPr id="4" name="Slide Number Placeholder 3"/>
+          <p:cNvSpPr>
+            <a:spLocks noGrp="1"/>
+          </p:cNvSpPr>
+          <p:nvPr>
+            <p:ph type="sldNum" sz="quarter" idx="5"/>
+          </p:nvPr>
+        </p:nvSpPr>
+        <p:spPr/>
+        <p:txBody>
+          <a:bodyPr/>
+          <a:lstStyle/>
+          <a:p>
+            <a:fld id="{9CD0AFCF-035F-44D7-A598-3B17142E29A2}" type="slidenum">
+              <a:rPr lang="en-GB" smtClean="0"/>
               <a:t>12</a:t>
             </a:fld>
             <a:endParaRPr lang="en-GB"/>
@@ -711,7 +795,7 @@
           <a:p>
             <a:fld id="{4A7CD4B7-1896-40FA-BCB1-23D61EC865BA}" type="datetimeFigureOut">
               <a:rPr lang="en-GB" smtClean="0"/>
-              <a:t>14/11/2021</a:t>
+              <a:t>18/11/2021</a:t>
             </a:fld>
             <a:endParaRPr lang="en-GB"/>
           </a:p>
@@ -911,7 +995,7 @@
           <a:p>
             <a:fld id="{4A7CD4B7-1896-40FA-BCB1-23D61EC865BA}" type="datetimeFigureOut">
               <a:rPr lang="en-GB" smtClean="0"/>
-              <a:t>14/11/2021</a:t>
+              <a:t>18/11/2021</a:t>
             </a:fld>
             <a:endParaRPr lang="en-GB"/>
           </a:p>
@@ -1121,7 +1205,7 @@
           <a:p>
             <a:fld id="{4A7CD4B7-1896-40FA-BCB1-23D61EC865BA}" type="datetimeFigureOut">
               <a:rPr lang="en-GB" smtClean="0"/>
-              <a:t>14/11/2021</a:t>
+              <a:t>18/11/2021</a:t>
             </a:fld>
             <a:endParaRPr lang="en-GB"/>
           </a:p>
@@ -1321,7 +1405,7 @@
           <a:p>
             <a:fld id="{4A7CD4B7-1896-40FA-BCB1-23D61EC865BA}" type="datetimeFigureOut">
               <a:rPr lang="en-GB" smtClean="0"/>
-              <a:t>14/11/2021</a:t>
+              <a:t>18/11/2021</a:t>
             </a:fld>
             <a:endParaRPr lang="en-GB"/>
           </a:p>
@@ -1597,7 +1681,7 @@
           <a:p>
             <a:fld id="{4A7CD4B7-1896-40FA-BCB1-23D61EC865BA}" type="datetimeFigureOut">
               <a:rPr lang="en-GB" smtClean="0"/>
-              <a:t>14/11/2021</a:t>
+              <a:t>18/11/2021</a:t>
             </a:fld>
             <a:endParaRPr lang="en-GB"/>
           </a:p>
@@ -1865,7 +1949,7 @@
           <a:p>
             <a:fld id="{4A7CD4B7-1896-40FA-BCB1-23D61EC865BA}" type="datetimeFigureOut">
               <a:rPr lang="en-GB" smtClean="0"/>
-              <a:t>14/11/2021</a:t>
+              <a:t>18/11/2021</a:t>
             </a:fld>
             <a:endParaRPr lang="en-GB"/>
           </a:p>
@@ -2280,7 +2364,7 @@
           <a:p>
             <a:fld id="{4A7CD4B7-1896-40FA-BCB1-23D61EC865BA}" type="datetimeFigureOut">
               <a:rPr lang="en-GB" smtClean="0"/>
-              <a:t>14/11/2021</a:t>
+              <a:t>18/11/2021</a:t>
             </a:fld>
             <a:endParaRPr lang="en-GB"/>
           </a:p>
@@ -2422,7 +2506,7 @@
           <a:p>
             <a:fld id="{4A7CD4B7-1896-40FA-BCB1-23D61EC865BA}" type="datetimeFigureOut">
               <a:rPr lang="en-GB" smtClean="0"/>
-              <a:t>14/11/2021</a:t>
+              <a:t>18/11/2021</a:t>
             </a:fld>
             <a:endParaRPr lang="en-GB"/>
           </a:p>
@@ -2535,7 +2619,7 @@
           <a:p>
             <a:fld id="{4A7CD4B7-1896-40FA-BCB1-23D61EC865BA}" type="datetimeFigureOut">
               <a:rPr lang="en-GB" smtClean="0"/>
-              <a:t>14/11/2021</a:t>
+              <a:t>18/11/2021</a:t>
             </a:fld>
             <a:endParaRPr lang="en-GB"/>
           </a:p>
@@ -2848,7 +2932,7 @@
           <a:p>
             <a:fld id="{4A7CD4B7-1896-40FA-BCB1-23D61EC865BA}" type="datetimeFigureOut">
               <a:rPr lang="en-GB" smtClean="0"/>
-              <a:t>14/11/2021</a:t>
+              <a:t>18/11/2021</a:t>
             </a:fld>
             <a:endParaRPr lang="en-GB"/>
           </a:p>
@@ -3137,7 +3221,7 @@
           <a:p>
             <a:fld id="{4A7CD4B7-1896-40FA-BCB1-23D61EC865BA}" type="datetimeFigureOut">
               <a:rPr lang="en-GB" smtClean="0"/>
-              <a:t>14/11/2021</a:t>
+              <a:t>18/11/2021</a:t>
             </a:fld>
             <a:endParaRPr lang="en-GB"/>
           </a:p>
@@ -3380,7 +3464,7 @@
           <a:p>
             <a:fld id="{4A7CD4B7-1896-40FA-BCB1-23D61EC865BA}" type="datetimeFigureOut">
               <a:rPr lang="en-GB" smtClean="0"/>
-              <a:t>14/11/2021</a:t>
+              <a:t>18/11/2021</a:t>
             </a:fld>
             <a:endParaRPr lang="en-GB"/>
           </a:p>
@@ -5578,191 +5662,6 @@
 </file>
 
 <file path=ppt/slides/slide5.xml><?xml version="1.0" encoding="utf-8"?>
-<p:sld xmlns:a="http://schemas.openxmlformats.org/drawingml/2006/main" xmlns:r="http://schemas.openxmlformats.org/officeDocument/2006/relationships" xmlns:p="http://schemas.openxmlformats.org/presentationml/2006/main">
-  <p:cSld>
-    <p:bg>
-      <p:bgPr>
-        <a:solidFill>
-          <a:schemeClr val="bg1"/>
-        </a:solidFill>
-        <a:effectLst/>
-      </p:bgPr>
-    </p:bg>
-    <p:spTree>
-      <p:nvGrpSpPr>
-        <p:cNvPr id="1" name=""/>
-        <p:cNvGrpSpPr/>
-        <p:nvPr/>
-      </p:nvGrpSpPr>
-      <p:grpSpPr>
-        <a:xfrm>
-          <a:off x="0" y="0"/>
-          <a:ext cx="0" cy="0"/>
-          <a:chOff x="0" y="0"/>
-          <a:chExt cx="0" cy="0"/>
-        </a:xfrm>
-      </p:grpSpPr>
-      <p:sp>
-        <p:nvSpPr>
-          <p:cNvPr id="15" name="Down Arrow 7">
-            <a:extLst>
-              <a:ext uri="{FF2B5EF4-FFF2-40B4-BE49-F238E27FC236}">
-                <a16:creationId xmlns:a16="http://schemas.microsoft.com/office/drawing/2014/main" id="{D4771268-CB57-404A-9271-370EB28F6090}"/>
-              </a:ext>
-              <a:ext uri="{C183D7F6-B498-43B3-948B-1728B52AA6E4}">
-                <adec:decorative xmlns:adec="http://schemas.microsoft.com/office/drawing/2017/decorative" val="1"/>
-              </a:ext>
-            </a:extLst>
-          </p:cNvPr>
-          <p:cNvSpPr>
-            <a:spLocks noGrp="1" noRot="1" noChangeAspect="1" noMove="1" noResize="1" noEditPoints="1" noAdjustHandles="1" noChangeArrowheads="1" noChangeShapeType="1" noTextEdit="1"/>
-          </p:cNvSpPr>
-          <p:nvPr>
-            <p:extLst>
-              <p:ext uri="{386F3935-93C4-4BCD-93E2-E3B085C9AB24}">
-                <p16:designElem xmlns:p16="http://schemas.microsoft.com/office/powerpoint/2015/main" val="1"/>
-              </p:ext>
-            </p:extLst>
-          </p:nvPr>
-        </p:nvSpPr>
-        <p:spPr>
-          <a:xfrm rot="16200000">
-            <a:off x="800100" y="1491343"/>
-            <a:ext cx="3333749" cy="3499103"/>
-          </a:xfrm>
-          <a:prstGeom prst="downArrow">
-            <a:avLst>
-              <a:gd name="adj1" fmla="val 100000"/>
-              <a:gd name="adj2" fmla="val 15788"/>
-            </a:avLst>
-          </a:prstGeom>
-          <a:solidFill>
-            <a:srgbClr val="404040"/>
-          </a:solidFill>
-          <a:ln w="53975">
-            <a:noFill/>
-          </a:ln>
-        </p:spPr>
-        <p:style>
-          <a:lnRef idx="2">
-            <a:schemeClr val="accent1">
-              <a:shade val="50000"/>
-            </a:schemeClr>
-          </a:lnRef>
-          <a:fillRef idx="1">
-            <a:schemeClr val="accent1"/>
-          </a:fillRef>
-          <a:effectRef idx="0">
-            <a:schemeClr val="accent1"/>
-          </a:effectRef>
-          <a:fontRef idx="minor">
-            <a:schemeClr val="lt1"/>
-          </a:fontRef>
-        </p:style>
-        <p:txBody>
-          <a:bodyPr rtlCol="0" anchor="ctr"/>
-          <a:lstStyle/>
-          <a:p>
-            <a:pPr algn="ctr"/>
-            <a:endParaRPr lang="en-US"/>
-          </a:p>
-        </p:txBody>
-      </p:sp>
-      <p:sp>
-        <p:nvSpPr>
-          <p:cNvPr id="2" name="Title 1">
-            <a:extLst>
-              <a:ext uri="{FF2B5EF4-FFF2-40B4-BE49-F238E27FC236}">
-                <a16:creationId xmlns:a16="http://schemas.microsoft.com/office/drawing/2014/main" id="{F77C135B-6DD8-4C70-BBE0-A4EACDCE5FD4}"/>
-              </a:ext>
-            </a:extLst>
-          </p:cNvPr>
-          <p:cNvSpPr>
-            <a:spLocks noGrp="1"/>
-          </p:cNvSpPr>
-          <p:nvPr>
-            <p:ph type="title"/>
-          </p:nvPr>
-        </p:nvSpPr>
-        <p:spPr>
-          <a:xfrm>
-            <a:off x="1028700" y="1967266"/>
-            <a:ext cx="2628900" cy="2547257"/>
-          </a:xfrm>
-          <a:noFill/>
-        </p:spPr>
-        <p:txBody>
-          <a:bodyPr vert="horz" lIns="91440" tIns="45720" rIns="91440" bIns="45720" rtlCol="0" anchor="ctr">
-            <a:normAutofit/>
-          </a:bodyPr>
-          <a:lstStyle/>
-          <a:p>
-            <a:pPr algn="ctr"/>
-            <a:r>
-              <a:rPr lang="en-US" sz="3600" kern="1200" dirty="0">
-                <a:solidFill>
-                  <a:srgbClr val="FFFFFF"/>
-                </a:solidFill>
-                <a:latin typeface="+mj-lt"/>
-                <a:ea typeface="+mj-ea"/>
-                <a:cs typeface="+mj-cs"/>
-              </a:rPr>
-              <a:t>How to send a message with JMS</a:t>
-            </a:r>
-          </a:p>
-        </p:txBody>
-      </p:sp>
-      <p:pic>
-        <p:nvPicPr>
-          <p:cNvPr id="5" name="Content Placeholder 4">
-            <a:extLst>
-              <a:ext uri="{FF2B5EF4-FFF2-40B4-BE49-F238E27FC236}">
-                <a16:creationId xmlns:a16="http://schemas.microsoft.com/office/drawing/2014/main" id="{12BB20E0-76D3-4B09-86BD-05191B14A1B2}"/>
-              </a:ext>
-            </a:extLst>
-          </p:cNvPr>
-          <p:cNvPicPr>
-            <a:picLocks noGrp="1" noChangeAspect="1"/>
-          </p:cNvPicPr>
-          <p:nvPr>
-            <p:ph idx="1"/>
-          </p:nvPr>
-        </p:nvPicPr>
-        <p:blipFill>
-          <a:blip r:embed="rId2">
-            <a:extLst>
-              <a:ext uri="{28A0092B-C50C-407E-A947-70E740481C1C}">
-                <a14:useLocalDpi xmlns:a14="http://schemas.microsoft.com/office/drawing/2010/main" val="0"/>
-              </a:ext>
-            </a:extLst>
-          </a:blip>
-          <a:srcRect/>
-          <a:stretch/>
-        </p:blipFill>
-        <p:spPr>
-          <a:xfrm>
-            <a:off x="6263312" y="643467"/>
-            <a:ext cx="3808707" cy="5568737"/>
-          </a:xfrm>
-          <a:prstGeom prst="rect">
-            <a:avLst/>
-          </a:prstGeom>
-        </p:spPr>
-      </p:pic>
-    </p:spTree>
-    <p:extLst>
-      <p:ext uri="{BB962C8B-B14F-4D97-AF65-F5344CB8AC3E}">
-        <p14:creationId xmlns:p14="http://schemas.microsoft.com/office/powerpoint/2010/main" val="3921446744"/>
-      </p:ext>
-    </p:extLst>
-  </p:cSld>
-  <p:clrMapOvr>
-    <a:masterClrMapping/>
-  </p:clrMapOvr>
-</p:sld>
-</file>
-
-<file path=ppt/slides/slide6.xml><?xml version="1.0" encoding="utf-8"?>
 <p:sld xmlns:a="http://schemas.openxmlformats.org/drawingml/2006/main" xmlns:r="http://schemas.openxmlformats.org/officeDocument/2006/relationships" xmlns:p="http://schemas.openxmlformats.org/presentationml/2006/main">
   <p:cSld>
     <p:bg>
@@ -6536,7 +6435,7 @@
             </a:r>
             <a:r>
               <a:rPr lang="en-GB" sz="900">
-                <a:hlinkClick r:id="rId2"/>
+                <a:hlinkClick r:id="rId3"/>
               </a:rPr>
               <a:t>Ibm.com</a:t>
             </a:r>
@@ -6548,6 +6447,191 @@
     <p:extLst>
       <p:ext uri="{BB962C8B-B14F-4D97-AF65-F5344CB8AC3E}">
         <p14:creationId xmlns:p14="http://schemas.microsoft.com/office/powerpoint/2010/main" val="188730427"/>
+      </p:ext>
+    </p:extLst>
+  </p:cSld>
+  <p:clrMapOvr>
+    <a:masterClrMapping/>
+  </p:clrMapOvr>
+</p:sld>
+</file>
+
+<file path=ppt/slides/slide6.xml><?xml version="1.0" encoding="utf-8"?>
+<p:sld xmlns:a="http://schemas.openxmlformats.org/drawingml/2006/main" xmlns:r="http://schemas.openxmlformats.org/officeDocument/2006/relationships" xmlns:p="http://schemas.openxmlformats.org/presentationml/2006/main">
+  <p:cSld>
+    <p:bg>
+      <p:bgPr>
+        <a:solidFill>
+          <a:schemeClr val="bg1"/>
+        </a:solidFill>
+        <a:effectLst/>
+      </p:bgPr>
+    </p:bg>
+    <p:spTree>
+      <p:nvGrpSpPr>
+        <p:cNvPr id="1" name=""/>
+        <p:cNvGrpSpPr/>
+        <p:nvPr/>
+      </p:nvGrpSpPr>
+      <p:grpSpPr>
+        <a:xfrm>
+          <a:off x="0" y="0"/>
+          <a:ext cx="0" cy="0"/>
+          <a:chOff x="0" y="0"/>
+          <a:chExt cx="0" cy="0"/>
+        </a:xfrm>
+      </p:grpSpPr>
+      <p:sp>
+        <p:nvSpPr>
+          <p:cNvPr id="15" name="Down Arrow 7">
+            <a:extLst>
+              <a:ext uri="{FF2B5EF4-FFF2-40B4-BE49-F238E27FC236}">
+                <a16:creationId xmlns:a16="http://schemas.microsoft.com/office/drawing/2014/main" id="{D4771268-CB57-404A-9271-370EB28F6090}"/>
+              </a:ext>
+              <a:ext uri="{C183D7F6-B498-43B3-948B-1728B52AA6E4}">
+                <adec:decorative xmlns:adec="http://schemas.microsoft.com/office/drawing/2017/decorative" val="1"/>
+              </a:ext>
+            </a:extLst>
+          </p:cNvPr>
+          <p:cNvSpPr>
+            <a:spLocks noGrp="1" noRot="1" noChangeAspect="1" noMove="1" noResize="1" noEditPoints="1" noAdjustHandles="1" noChangeArrowheads="1" noChangeShapeType="1" noTextEdit="1"/>
+          </p:cNvSpPr>
+          <p:nvPr>
+            <p:extLst>
+              <p:ext uri="{386F3935-93C4-4BCD-93E2-E3B085C9AB24}">
+                <p16:designElem xmlns:p16="http://schemas.microsoft.com/office/powerpoint/2015/main" val="1"/>
+              </p:ext>
+            </p:extLst>
+          </p:nvPr>
+        </p:nvSpPr>
+        <p:spPr>
+          <a:xfrm rot="16200000">
+            <a:off x="800100" y="1491343"/>
+            <a:ext cx="3333749" cy="3499103"/>
+          </a:xfrm>
+          <a:prstGeom prst="downArrow">
+            <a:avLst>
+              <a:gd name="adj1" fmla="val 100000"/>
+              <a:gd name="adj2" fmla="val 15788"/>
+            </a:avLst>
+          </a:prstGeom>
+          <a:solidFill>
+            <a:srgbClr val="404040"/>
+          </a:solidFill>
+          <a:ln w="53975">
+            <a:noFill/>
+          </a:ln>
+        </p:spPr>
+        <p:style>
+          <a:lnRef idx="2">
+            <a:schemeClr val="accent1">
+              <a:shade val="50000"/>
+            </a:schemeClr>
+          </a:lnRef>
+          <a:fillRef idx="1">
+            <a:schemeClr val="accent1"/>
+          </a:fillRef>
+          <a:effectRef idx="0">
+            <a:schemeClr val="accent1"/>
+          </a:effectRef>
+          <a:fontRef idx="minor">
+            <a:schemeClr val="lt1"/>
+          </a:fontRef>
+        </p:style>
+        <p:txBody>
+          <a:bodyPr rtlCol="0" anchor="ctr"/>
+          <a:lstStyle/>
+          <a:p>
+            <a:pPr algn="ctr"/>
+            <a:endParaRPr lang="en-US"/>
+          </a:p>
+        </p:txBody>
+      </p:sp>
+      <p:sp>
+        <p:nvSpPr>
+          <p:cNvPr id="2" name="Title 1">
+            <a:extLst>
+              <a:ext uri="{FF2B5EF4-FFF2-40B4-BE49-F238E27FC236}">
+                <a16:creationId xmlns:a16="http://schemas.microsoft.com/office/drawing/2014/main" id="{F77C135B-6DD8-4C70-BBE0-A4EACDCE5FD4}"/>
+              </a:ext>
+            </a:extLst>
+          </p:cNvPr>
+          <p:cNvSpPr>
+            <a:spLocks noGrp="1"/>
+          </p:cNvSpPr>
+          <p:nvPr>
+            <p:ph type="title"/>
+          </p:nvPr>
+        </p:nvSpPr>
+        <p:spPr>
+          <a:xfrm>
+            <a:off x="1028700" y="1967266"/>
+            <a:ext cx="2628900" cy="2547257"/>
+          </a:xfrm>
+          <a:noFill/>
+        </p:spPr>
+        <p:txBody>
+          <a:bodyPr vert="horz" lIns="91440" tIns="45720" rIns="91440" bIns="45720" rtlCol="0" anchor="ctr">
+            <a:normAutofit/>
+          </a:bodyPr>
+          <a:lstStyle/>
+          <a:p>
+            <a:pPr algn="ctr"/>
+            <a:r>
+              <a:rPr lang="en-US" sz="3600" kern="1200" dirty="0">
+                <a:solidFill>
+                  <a:srgbClr val="FFFFFF"/>
+                </a:solidFill>
+                <a:latin typeface="+mj-lt"/>
+                <a:ea typeface="+mj-ea"/>
+                <a:cs typeface="+mj-cs"/>
+              </a:rPr>
+              <a:t>How to send a message with JMS</a:t>
+            </a:r>
+          </a:p>
+        </p:txBody>
+      </p:sp>
+      <p:pic>
+        <p:nvPicPr>
+          <p:cNvPr id="5" name="Content Placeholder 4">
+            <a:extLst>
+              <a:ext uri="{FF2B5EF4-FFF2-40B4-BE49-F238E27FC236}">
+                <a16:creationId xmlns:a16="http://schemas.microsoft.com/office/drawing/2014/main" id="{12BB20E0-76D3-4B09-86BD-05191B14A1B2}"/>
+              </a:ext>
+            </a:extLst>
+          </p:cNvPr>
+          <p:cNvPicPr>
+            <a:picLocks noGrp="1" noChangeAspect="1"/>
+          </p:cNvPicPr>
+          <p:nvPr>
+            <p:ph idx="1"/>
+          </p:nvPr>
+        </p:nvPicPr>
+        <p:blipFill>
+          <a:blip r:embed="rId2">
+            <a:extLst>
+              <a:ext uri="{28A0092B-C50C-407E-A947-70E740481C1C}">
+                <a14:useLocalDpi xmlns:a14="http://schemas.microsoft.com/office/drawing/2010/main" val="0"/>
+              </a:ext>
+            </a:extLst>
+          </a:blip>
+          <a:srcRect/>
+          <a:stretch/>
+        </p:blipFill>
+        <p:spPr>
+          <a:xfrm>
+            <a:off x="6263312" y="643467"/>
+            <a:ext cx="3808707" cy="5568737"/>
+          </a:xfrm>
+          <a:prstGeom prst="rect">
+            <a:avLst/>
+          </a:prstGeom>
+        </p:spPr>
+      </p:pic>
+    </p:spTree>
+    <p:extLst>
+      <p:ext uri="{BB962C8B-B14F-4D97-AF65-F5344CB8AC3E}">
+        <p14:creationId xmlns:p14="http://schemas.microsoft.com/office/powerpoint/2010/main" val="3921446744"/>
       </p:ext>
     </p:extLst>
   </p:cSld>
